--- a/images/results/He-diffraction-patterns.pptx
+++ b/images/results/He-diffraction-patterns.pptx
@@ -243,7 +243,7 @@
           <a:p>
             <a:fld id="{2092A7B5-3936-1947-99D0-1ABDFEF16307}" type="datetimeFigureOut">
               <a:rPr lang="en-US" smtClean="0"/>
-              <a:t>12/12/16</a:t>
+              <a:t>12/21/16</a:t>
             </a:fld>
             <a:endParaRPr lang="en-US"/>
           </a:p>
@@ -413,7 +413,7 @@
           <a:p>
             <a:fld id="{2092A7B5-3936-1947-99D0-1ABDFEF16307}" type="datetimeFigureOut">
               <a:rPr lang="en-US" smtClean="0"/>
-              <a:t>12/12/16</a:t>
+              <a:t>12/21/16</a:t>
             </a:fld>
             <a:endParaRPr lang="en-US"/>
           </a:p>
@@ -593,7 +593,7 @@
           <a:p>
             <a:fld id="{2092A7B5-3936-1947-99D0-1ABDFEF16307}" type="datetimeFigureOut">
               <a:rPr lang="en-US" smtClean="0"/>
-              <a:t>12/12/16</a:t>
+              <a:t>12/21/16</a:t>
             </a:fld>
             <a:endParaRPr lang="en-US"/>
           </a:p>
@@ -763,7 +763,7 @@
           <a:p>
             <a:fld id="{2092A7B5-3936-1947-99D0-1ABDFEF16307}" type="datetimeFigureOut">
               <a:rPr lang="en-US" smtClean="0"/>
-              <a:t>12/12/16</a:t>
+              <a:t>12/21/16</a:t>
             </a:fld>
             <a:endParaRPr lang="en-US"/>
           </a:p>
@@ -1009,7 +1009,7 @@
           <a:p>
             <a:fld id="{2092A7B5-3936-1947-99D0-1ABDFEF16307}" type="datetimeFigureOut">
               <a:rPr lang="en-US" smtClean="0"/>
-              <a:t>12/12/16</a:t>
+              <a:t>12/21/16</a:t>
             </a:fld>
             <a:endParaRPr lang="en-US"/>
           </a:p>
@@ -1241,7 +1241,7 @@
           <a:p>
             <a:fld id="{2092A7B5-3936-1947-99D0-1ABDFEF16307}" type="datetimeFigureOut">
               <a:rPr lang="en-US" smtClean="0"/>
-              <a:t>12/12/16</a:t>
+              <a:t>12/21/16</a:t>
             </a:fld>
             <a:endParaRPr lang="en-US"/>
           </a:p>
@@ -1608,7 +1608,7 @@
           <a:p>
             <a:fld id="{2092A7B5-3936-1947-99D0-1ABDFEF16307}" type="datetimeFigureOut">
               <a:rPr lang="en-US" smtClean="0"/>
-              <a:t>12/12/16</a:t>
+              <a:t>12/21/16</a:t>
             </a:fld>
             <a:endParaRPr lang="en-US"/>
           </a:p>
@@ -1726,7 +1726,7 @@
           <a:p>
             <a:fld id="{2092A7B5-3936-1947-99D0-1ABDFEF16307}" type="datetimeFigureOut">
               <a:rPr lang="en-US" smtClean="0"/>
-              <a:t>12/12/16</a:t>
+              <a:t>12/21/16</a:t>
             </a:fld>
             <a:endParaRPr lang="en-US"/>
           </a:p>
@@ -1821,7 +1821,7 @@
           <a:p>
             <a:fld id="{2092A7B5-3936-1947-99D0-1ABDFEF16307}" type="datetimeFigureOut">
               <a:rPr lang="en-US" smtClean="0"/>
-              <a:t>12/12/16</a:t>
+              <a:t>12/21/16</a:t>
             </a:fld>
             <a:endParaRPr lang="en-US"/>
           </a:p>
@@ -2098,7 +2098,7 @@
           <a:p>
             <a:fld id="{2092A7B5-3936-1947-99D0-1ABDFEF16307}" type="datetimeFigureOut">
               <a:rPr lang="en-US" smtClean="0"/>
-              <a:t>12/12/16</a:t>
+              <a:t>12/21/16</a:t>
             </a:fld>
             <a:endParaRPr lang="en-US"/>
           </a:p>
@@ -2351,7 +2351,7 @@
           <a:p>
             <a:fld id="{2092A7B5-3936-1947-99D0-1ABDFEF16307}" type="datetimeFigureOut">
               <a:rPr lang="en-US" smtClean="0"/>
-              <a:t>12/12/16</a:t>
+              <a:t>12/21/16</a:t>
             </a:fld>
             <a:endParaRPr lang="en-US"/>
           </a:p>
@@ -2564,7 +2564,7 @@
           <a:p>
             <a:fld id="{2092A7B5-3936-1947-99D0-1ABDFEF16307}" type="datetimeFigureOut">
               <a:rPr lang="en-US" smtClean="0"/>
-              <a:t>12/12/16</a:t>
+              <a:t>12/21/16</a:t>
             </a:fld>
             <a:endParaRPr lang="en-US"/>
           </a:p>
@@ -2978,9 +2978,9 @@
         <p:grpSpPr>
           <a:xfrm>
             <a:off x="479003" y="1505769"/>
-            <a:ext cx="11355590" cy="3807039"/>
+            <a:ext cx="11290022" cy="3807039"/>
             <a:chOff x="479003" y="1505769"/>
-            <a:chExt cx="11355590" cy="3807039"/>
+            <a:chExt cx="11290022" cy="3807039"/>
           </a:xfrm>
         </p:grpSpPr>
         <p:grpSp>
@@ -2992,9 +2992,9 @@
           <p:grpSpPr>
             <a:xfrm>
               <a:off x="479003" y="1505769"/>
-              <a:ext cx="11355590" cy="3764498"/>
+              <a:ext cx="11290022" cy="3764498"/>
               <a:chOff x="479003" y="1505769"/>
-              <a:chExt cx="11355590" cy="3764498"/>
+              <a:chExt cx="11290022" cy="3764498"/>
             </a:xfrm>
           </p:grpSpPr>
           <p:grpSp>
@@ -3081,7 +3081,7 @@
               </p:nvSpPr>
               <p:spPr>
                 <a:xfrm>
-                  <a:off x="6462935" y="1311949"/>
+                  <a:off x="6055643" y="1311949"/>
                   <a:ext cx="1001268" cy="284552"/>
                 </a:xfrm>
                 <a:prstGeom prst="rect">
@@ -3123,8 +3123,8 @@
               </p:nvSpPr>
               <p:spPr>
                 <a:xfrm>
-                  <a:off x="2219471" y="1227170"/>
-                  <a:ext cx="1235083" cy="369332"/>
+                  <a:off x="2098382" y="1227170"/>
+                  <a:ext cx="1235083" cy="284552"/>
                 </a:xfrm>
                 <a:prstGeom prst="rect">
                   <a:avLst/>
@@ -3138,52 +3138,22 @@
                 <a:lstStyle/>
                 <a:p>
                   <a:r>
-                    <a:rPr lang="de-DE" dirty="0" smtClean="0">
-                      <a:solidFill>
-                        <a:schemeClr val="accent1">
-                          <a:lumMod val="50000"/>
-                        </a:schemeClr>
-                      </a:solidFill>
-                    </a:rPr>
+                    <a:rPr lang="de-DE" dirty="0" smtClean="0"/>
                     <a:t>0 </a:t>
                   </a:r>
                   <a:r>
-                    <a:rPr lang="de-DE" dirty="0" err="1" smtClean="0">
-                      <a:solidFill>
-                        <a:schemeClr val="accent1">
-                          <a:lumMod val="50000"/>
-                        </a:schemeClr>
-                      </a:solidFill>
-                    </a:rPr>
+                    <a:rPr lang="de-DE" dirty="0" err="1" smtClean="0"/>
                     <a:t>fs</a:t>
                   </a:r>
                   <a:r>
-                    <a:rPr lang="de-DE" dirty="0" smtClean="0">
-                      <a:solidFill>
-                        <a:schemeClr val="accent1">
-                          <a:lumMod val="50000"/>
-                        </a:schemeClr>
-                      </a:solidFill>
-                    </a:rPr>
+                    <a:rPr lang="de-DE" dirty="0" smtClean="0"/>
                     <a:t> </a:t>
                   </a:r>
                   <a:r>
-                    <a:rPr lang="de-DE" dirty="0" err="1" smtClean="0">
-                      <a:solidFill>
-                        <a:schemeClr val="accent1">
-                          <a:lumMod val="50000"/>
-                        </a:schemeClr>
-                      </a:solidFill>
-                    </a:rPr>
+                    <a:rPr lang="de-DE" dirty="0" err="1" smtClean="0"/>
                     <a:t>delay</a:t>
                   </a:r>
-                  <a:endParaRPr lang="de-DE" dirty="0">
-                    <a:solidFill>
-                      <a:schemeClr val="accent1">
-                        <a:lumMod val="50000"/>
-                      </a:schemeClr>
-                    </a:solidFill>
-                  </a:endParaRPr>
+                  <a:endParaRPr lang="de-DE" dirty="0"/>
                 </a:p>
               </p:txBody>
             </p:sp>
@@ -3196,7 +3166,7 @@
             </p:nvSpPr>
             <p:spPr>
               <a:xfrm>
-                <a:off x="10228128" y="1837864"/>
+                <a:off x="9656624" y="1837864"/>
                 <a:ext cx="1606465" cy="923330"/>
               </a:xfrm>
               <a:prstGeom prst="rect">

--- a/images/results/He-diffraction-patterns.pptx
+++ b/images/results/He-diffraction-patterns.pptx
@@ -243,7 +243,7 @@
           <a:p>
             <a:fld id="{2092A7B5-3936-1947-99D0-1ABDFEF16307}" type="datetimeFigureOut">
               <a:rPr lang="en-US" smtClean="0"/>
-              <a:t>12/21/16</a:t>
+              <a:t>2/5/17</a:t>
             </a:fld>
             <a:endParaRPr lang="en-US"/>
           </a:p>
@@ -413,7 +413,7 @@
           <a:p>
             <a:fld id="{2092A7B5-3936-1947-99D0-1ABDFEF16307}" type="datetimeFigureOut">
               <a:rPr lang="en-US" smtClean="0"/>
-              <a:t>12/21/16</a:t>
+              <a:t>2/5/17</a:t>
             </a:fld>
             <a:endParaRPr lang="en-US"/>
           </a:p>
@@ -593,7 +593,7 @@
           <a:p>
             <a:fld id="{2092A7B5-3936-1947-99D0-1ABDFEF16307}" type="datetimeFigureOut">
               <a:rPr lang="en-US" smtClean="0"/>
-              <a:t>12/21/16</a:t>
+              <a:t>2/5/17</a:t>
             </a:fld>
             <a:endParaRPr lang="en-US"/>
           </a:p>
@@ -763,7 +763,7 @@
           <a:p>
             <a:fld id="{2092A7B5-3936-1947-99D0-1ABDFEF16307}" type="datetimeFigureOut">
               <a:rPr lang="en-US" smtClean="0"/>
-              <a:t>12/21/16</a:t>
+              <a:t>2/5/17</a:t>
             </a:fld>
             <a:endParaRPr lang="en-US"/>
           </a:p>
@@ -1009,7 +1009,7 @@
           <a:p>
             <a:fld id="{2092A7B5-3936-1947-99D0-1ABDFEF16307}" type="datetimeFigureOut">
               <a:rPr lang="en-US" smtClean="0"/>
-              <a:t>12/21/16</a:t>
+              <a:t>2/5/17</a:t>
             </a:fld>
             <a:endParaRPr lang="en-US"/>
           </a:p>
@@ -1241,7 +1241,7 @@
           <a:p>
             <a:fld id="{2092A7B5-3936-1947-99D0-1ABDFEF16307}" type="datetimeFigureOut">
               <a:rPr lang="en-US" smtClean="0"/>
-              <a:t>12/21/16</a:t>
+              <a:t>2/5/17</a:t>
             </a:fld>
             <a:endParaRPr lang="en-US"/>
           </a:p>
@@ -1608,7 +1608,7 @@
           <a:p>
             <a:fld id="{2092A7B5-3936-1947-99D0-1ABDFEF16307}" type="datetimeFigureOut">
               <a:rPr lang="en-US" smtClean="0"/>
-              <a:t>12/21/16</a:t>
+              <a:t>2/5/17</a:t>
             </a:fld>
             <a:endParaRPr lang="en-US"/>
           </a:p>
@@ -1726,7 +1726,7 @@
           <a:p>
             <a:fld id="{2092A7B5-3936-1947-99D0-1ABDFEF16307}" type="datetimeFigureOut">
               <a:rPr lang="en-US" smtClean="0"/>
-              <a:t>12/21/16</a:t>
+              <a:t>2/5/17</a:t>
             </a:fld>
             <a:endParaRPr lang="en-US"/>
           </a:p>
@@ -1821,7 +1821,7 @@
           <a:p>
             <a:fld id="{2092A7B5-3936-1947-99D0-1ABDFEF16307}" type="datetimeFigureOut">
               <a:rPr lang="en-US" smtClean="0"/>
-              <a:t>12/21/16</a:t>
+              <a:t>2/5/17</a:t>
             </a:fld>
             <a:endParaRPr lang="en-US"/>
           </a:p>
@@ -2098,7 +2098,7 @@
           <a:p>
             <a:fld id="{2092A7B5-3936-1947-99D0-1ABDFEF16307}" type="datetimeFigureOut">
               <a:rPr lang="en-US" smtClean="0"/>
-              <a:t>12/21/16</a:t>
+              <a:t>2/5/17</a:t>
             </a:fld>
             <a:endParaRPr lang="en-US"/>
           </a:p>
@@ -2351,7 +2351,7 @@
           <a:p>
             <a:fld id="{2092A7B5-3936-1947-99D0-1ABDFEF16307}" type="datetimeFigureOut">
               <a:rPr lang="en-US" smtClean="0"/>
-              <a:t>12/21/16</a:t>
+              <a:t>2/5/17</a:t>
             </a:fld>
             <a:endParaRPr lang="en-US"/>
           </a:p>
@@ -2564,7 +2564,7 @@
           <a:p>
             <a:fld id="{2092A7B5-3936-1947-99D0-1ABDFEF16307}" type="datetimeFigureOut">
               <a:rPr lang="en-US" smtClean="0"/>
-              <a:t>12/21/16</a:t>
+              <a:t>2/5/17</a:t>
             </a:fld>
             <a:endParaRPr lang="en-US"/>
           </a:p>
@@ -2971,118 +2971,174 @@
       </p:grpSpPr>
       <p:grpSp>
         <p:nvGrpSpPr>
-          <p:cNvPr id="3" name="Group 2"/>
+          <p:cNvPr id="15" name="Group 14"/>
           <p:cNvGrpSpPr/>
           <p:nvPr/>
         </p:nvGrpSpPr>
         <p:grpSpPr>
           <a:xfrm>
-            <a:off x="479003" y="1505769"/>
-            <a:ext cx="11290022" cy="3807039"/>
-            <a:chOff x="479003" y="1505769"/>
-            <a:chExt cx="11290022" cy="3807039"/>
+            <a:off x="365408" y="1428523"/>
+            <a:ext cx="11505664" cy="3629252"/>
+            <a:chOff x="365408" y="1428523"/>
+            <a:chExt cx="11505664" cy="3629252"/>
           </a:xfrm>
         </p:grpSpPr>
-        <p:grpSp>
-          <p:nvGrpSpPr>
-            <p:cNvPr id="12" name="Group 11"/>
-            <p:cNvGrpSpPr/>
+        <p:pic>
+          <p:nvPicPr>
+            <p:cNvPr id="9" name="Picture 8"/>
+            <p:cNvPicPr>
+              <a:picLocks noChangeAspect="1"/>
+            </p:cNvPicPr>
             <p:nvPr/>
-          </p:nvGrpSpPr>
-          <p:grpSpPr>
+          </p:nvPicPr>
+          <p:blipFill>
+            <a:blip r:embed="rId2">
+              <a:extLst>
+                <a:ext uri="{28A0092B-C50C-407E-A947-70E740481C1C}">
+                  <a14:useLocalDpi xmlns:a14="http://schemas.microsoft.com/office/drawing/2010/main" val="0"/>
+                </a:ext>
+              </a:extLst>
+            </a:blip>
+            <a:stretch>
+              <a:fillRect/>
+            </a:stretch>
+          </p:blipFill>
+          <p:spPr>
             <a:xfrm>
-              <a:off x="479003" y="1505769"/>
-              <a:ext cx="11290022" cy="3764498"/>
-              <a:chOff x="479003" y="1505769"/>
-              <a:chExt cx="11290022" cy="3764498"/>
+              <a:off x="365408" y="1428523"/>
+              <a:ext cx="5872048" cy="3629252"/>
             </a:xfrm>
-          </p:grpSpPr>
-          <p:grpSp>
-            <p:nvGrpSpPr>
-              <p:cNvPr id="10" name="Group 9"/>
-              <p:cNvGrpSpPr>
-                <a:grpSpLocks noChangeAspect="1"/>
-              </p:cNvGrpSpPr>
-              <p:nvPr/>
-            </p:nvGrpSpPr>
-            <p:grpSpPr>
-              <a:xfrm>
-                <a:off x="479003" y="1505769"/>
-                <a:ext cx="11290022" cy="3764498"/>
-                <a:chOff x="578756" y="558120"/>
-                <a:chExt cx="8698409" cy="2900361"/>
-              </a:xfrm>
-            </p:grpSpPr>
-            <p:pic>
-              <p:nvPicPr>
-                <p:cNvPr id="4" name="Bild 7" descr="porods-law-He-800fs.png"/>
-                <p:cNvPicPr>
-                  <a:picLocks noChangeAspect="1"/>
-                </p:cNvPicPr>
-                <p:nvPr/>
-              </p:nvPicPr>
-              <p:blipFill>
-                <a:blip r:embed="rId2">
-                  <a:extLst>
-                    <a:ext uri="{28A0092B-C50C-407E-A947-70E740481C1C}">
-                      <a14:useLocalDpi xmlns:a14="http://schemas.microsoft.com/office/drawing/2010/main" val="0"/>
-                    </a:ext>
-                  </a:extLst>
-                </a:blip>
-                <a:stretch>
-                  <a:fillRect/>
-                </a:stretch>
-              </p:blipFill>
-              <p:spPr>
-                <a:xfrm>
-                  <a:off x="4649975" y="644313"/>
-                  <a:ext cx="4627190" cy="2811599"/>
-                </a:xfrm>
-                <a:prstGeom prst="rect">
-                  <a:avLst/>
-                </a:prstGeom>
-              </p:spPr>
-            </p:pic>
-            <p:pic>
-              <p:nvPicPr>
-                <p:cNvPr id="5" name="Bild 5" descr="porods-law-He-0fs.png"/>
-                <p:cNvPicPr>
-                  <a:picLocks noChangeAspect="1"/>
-                </p:cNvPicPr>
-                <p:nvPr/>
-              </p:nvPicPr>
-              <p:blipFill>
-                <a:blip r:embed="rId3">
-                  <a:extLst>
-                    <a:ext uri="{28A0092B-C50C-407E-A947-70E740481C1C}">
-                      <a14:useLocalDpi xmlns:a14="http://schemas.microsoft.com/office/drawing/2010/main" val="0"/>
-                    </a:ext>
-                  </a:extLst>
-                </a:blip>
-                <a:stretch>
-                  <a:fillRect/>
-                </a:stretch>
-              </p:blipFill>
-              <p:spPr>
-                <a:xfrm>
-                  <a:off x="578756" y="558120"/>
-                  <a:ext cx="4286251" cy="2900361"/>
-                </a:xfrm>
-                <a:prstGeom prst="rect">
-                  <a:avLst/>
-                </a:prstGeom>
-              </p:spPr>
-            </p:pic>
+            <a:prstGeom prst="rect">
+              <a:avLst/>
+            </a:prstGeom>
+          </p:spPr>
+        </p:pic>
+        <p:pic>
+          <p:nvPicPr>
+            <p:cNvPr id="14" name="Picture 13"/>
+            <p:cNvPicPr>
+              <a:picLocks noChangeAspect="1"/>
+            </p:cNvPicPr>
+            <p:nvPr/>
+          </p:nvPicPr>
+          <p:blipFill>
+            <a:blip r:embed="rId3">
+              <a:extLst>
+                <a:ext uri="{28A0092B-C50C-407E-A947-70E740481C1C}">
+                  <a14:useLocalDpi xmlns:a14="http://schemas.microsoft.com/office/drawing/2010/main" val="0"/>
+                </a:ext>
+              </a:extLst>
+            </a:blip>
+            <a:stretch>
+              <a:fillRect/>
+            </a:stretch>
+          </p:blipFill>
+          <p:spPr>
+            <a:xfrm>
+              <a:off x="5999024" y="1428523"/>
+              <a:ext cx="5872048" cy="3629252"/>
+            </a:xfrm>
+            <a:prstGeom prst="rect">
+              <a:avLst/>
+            </a:prstGeom>
+          </p:spPr>
+        </p:pic>
+        <p:sp>
+          <p:nvSpPr>
+            <p:cNvPr id="6" name="Textfeld 8"/>
+            <p:cNvSpPr txBox="1"/>
+            <p:nvPr/>
+          </p:nvSpPr>
+          <p:spPr>
+            <a:xfrm>
+              <a:off x="8173471" y="2412755"/>
+              <a:ext cx="1299587" cy="369332"/>
+            </a:xfrm>
+            <a:prstGeom prst="rect">
+              <a:avLst/>
+            </a:prstGeom>
+            <a:noFill/>
+          </p:spPr>
+          <p:txBody>
+            <a:bodyPr wrap="none" rtlCol="0">
+              <a:spAutoFit/>
+            </a:bodyPr>
+            <a:lstStyle/>
+            <a:p>
+              <a:r>
+                <a:rPr lang="de-DE" kern="1200" dirty="0" smtClean="0"/>
+                <a:t>800 </a:t>
+              </a:r>
+              <a:r>
+                <a:rPr lang="de-DE" kern="1200" dirty="0" err="1" smtClean="0"/>
+                <a:t>fs</a:t>
+              </a:r>
+              <a:r>
+                <a:rPr lang="de-DE" kern="1200" dirty="0" smtClean="0"/>
+                <a:t> </a:t>
+              </a:r>
+              <a:r>
+                <a:rPr lang="de-DE" kern="1200" dirty="0" err="1" smtClean="0"/>
+                <a:t>delay</a:t>
+              </a:r>
+              <a:endParaRPr lang="de-DE" kern="1200" dirty="0"/>
+            </a:p>
+          </p:txBody>
+        </p:sp>
+        <p:sp>
+          <p:nvSpPr>
+            <p:cNvPr id="8" name="Textfeld 6"/>
+            <p:cNvSpPr txBox="1"/>
+            <p:nvPr/>
+          </p:nvSpPr>
+          <p:spPr>
+            <a:xfrm>
+              <a:off x="2451388" y="2374157"/>
+              <a:ext cx="1603065" cy="369332"/>
+            </a:xfrm>
+            <a:prstGeom prst="rect">
+              <a:avLst/>
+            </a:prstGeom>
+            <a:noFill/>
+          </p:spPr>
+          <p:txBody>
+            <a:bodyPr wrap="square" rtlCol="0">
+              <a:spAutoFit/>
+            </a:bodyPr>
+            <a:lstStyle/>
+            <a:p>
+              <a:r>
+                <a:rPr lang="de-DE" dirty="0" smtClean="0"/>
+                <a:t>0 </a:t>
+              </a:r>
+              <a:r>
+                <a:rPr lang="de-DE" dirty="0" err="1" smtClean="0"/>
+                <a:t>fs</a:t>
+              </a:r>
+              <a:r>
+                <a:rPr lang="de-DE" dirty="0" smtClean="0"/>
+                <a:t> </a:t>
+              </a:r>
+              <a:r>
+                <a:rPr lang="de-DE" dirty="0" err="1" smtClean="0"/>
+                <a:t>delay</a:t>
+              </a:r>
+              <a:endParaRPr lang="de-DE" dirty="0"/>
+            </a:p>
+          </p:txBody>
+        </p:sp>
+        <mc:AlternateContent xmlns:mc="http://schemas.openxmlformats.org/markup-compatibility/2006">
+          <mc:Choice xmlns:a14="http://schemas.microsoft.com/office/drawing/2010/main" Requires="a14">
             <p:sp>
               <p:nvSpPr>
-                <p:cNvPr id="6" name="Textfeld 8"/>
+                <p:cNvPr id="11" name="TextBox 10"/>
                 <p:cNvSpPr txBox="1"/>
                 <p:nvPr/>
               </p:nvSpPr>
               <p:spPr>
                 <a:xfrm>
-                  <a:off x="6055643" y="1311949"/>
-                  <a:ext cx="1001268" cy="284552"/>
+                  <a:off x="9885230" y="1637834"/>
+                  <a:ext cx="1447576" cy="958789"/>
                 </a:xfrm>
                 <a:prstGeom prst="rect">
                   <a:avLst/>
@@ -3096,291 +3152,160 @@
                 <a:lstStyle/>
                 <a:p>
                   <a:r>
-                    <a:rPr lang="de-DE" kern="1200" dirty="0" smtClean="0"/>
-                    <a:t>800 </a:t>
+                    <a:rPr lang="en-US" dirty="0" smtClean="0">
+                      <a:solidFill>
+                        <a:srgbClr val="FF0000"/>
+                      </a:solidFill>
+                    </a:rPr>
+                    <a:t>–</a:t>
                   </a:r>
+                  <a14:m>
+                    <m:oMath xmlns:m="http://schemas.openxmlformats.org/officeDocument/2006/math">
+                      <m:sSup>
+                        <m:sSupPr>
+                          <m:ctrlPr>
+                            <a:rPr lang="en-US" b="0" i="1" smtClean="0">
+                              <a:latin typeface="Cambria Math" charset="0"/>
+                            </a:rPr>
+                          </m:ctrlPr>
+                        </m:sSupPr>
+                        <m:e>
+                          <m:r>
+                            <a:rPr lang="en-US" i="0" smtClean="0">
+                              <a:latin typeface="+mj-lt"/>
+                            </a:rPr>
+                            <m:t>|</m:t>
+                          </m:r>
+                          <m:acc>
+                            <m:accPr>
+                              <m:chr m:val="⃗"/>
+                              <m:ctrlPr>
+                                <a:rPr lang="en-US" b="0" i="1" smtClean="0">
+                                  <a:latin typeface="Cambria Math" charset="0"/>
+                                </a:rPr>
+                              </m:ctrlPr>
+                            </m:accPr>
+                            <m:e>
+                              <m:r>
+                                <a:rPr lang="en-US" b="0" i="1" smtClean="0">
+                                  <a:latin typeface="Cambria Math" charset="0"/>
+                                </a:rPr>
+                                <m:t>𝑄</m:t>
+                              </m:r>
+                            </m:e>
+                          </m:acc>
+                          <m:r>
+                            <a:rPr lang="en-US" i="0" smtClean="0">
+                              <a:latin typeface="+mj-lt"/>
+                            </a:rPr>
+                            <m:t>|</m:t>
+                          </m:r>
+                        </m:e>
+                        <m:sup>
+                          <m:r>
+                            <a:rPr lang="en-US" b="0" i="1" smtClean="0">
+                              <a:latin typeface="Cambria Math" charset="0"/>
+                            </a:rPr>
+                            <m:t>−4</m:t>
+                          </m:r>
+                        </m:sup>
+                      </m:sSup>
+                    </m:oMath>
+                  </a14:m>
                   <a:r>
-                    <a:rPr lang="de-DE" kern="1200" dirty="0" err="1" smtClean="0"/>
-                    <a:t>fs</a:t>
-                  </a:r>
-                  <a:r>
-                    <a:rPr lang="de-DE" kern="1200" dirty="0" smtClean="0"/>
+                    <a:rPr lang="en-US" baseline="30000" dirty="0" smtClean="0"/>
                     <a:t> </a:t>
                   </a:r>
                   <a:r>
-                    <a:rPr lang="de-DE" kern="1200" dirty="0" err="1" smtClean="0"/>
-                    <a:t>delay</a:t>
+                    <a:rPr lang="en-US" dirty="0" smtClean="0"/>
+                    <a:t>fit</a:t>
                   </a:r>
-                  <a:endParaRPr lang="de-DE" kern="1200" dirty="0"/>
+                  <a:endParaRPr lang="en-US" baseline="30000" dirty="0"/>
+                </a:p>
+                <a:p>
+                  <a:r>
+                    <a:rPr lang="en-US" dirty="0">
+                      <a:solidFill>
+                        <a:srgbClr val="3E3D99"/>
+                      </a:solidFill>
+                    </a:rPr>
+                    <a:t>–</a:t>
+                  </a:r>
+                  <a:r>
+                    <a:rPr lang="en-US" dirty="0"/>
+                    <a:t> </a:t>
+                  </a:r>
+                  <a:r>
+                    <a:rPr lang="en-US" dirty="0" smtClean="0"/>
+                    <a:t>spherical fit</a:t>
+                  </a:r>
+                  <a:r>
+                    <a:rPr lang="en-US" dirty="0" smtClean="0"/>
+                    <a:t/>
+                  </a:r>
+                  <a:br>
+                    <a:rPr lang="en-US" dirty="0" smtClean="0"/>
+                  </a:br>
+                  <a:r>
+                    <a:rPr lang="en-US" dirty="0" smtClean="0"/>
+                    <a:t> </a:t>
+                  </a:r>
+                  <a:r>
+                    <a:rPr lang="en-US" baseline="30000" dirty="0" smtClean="0">
+                      <a:solidFill>
+                        <a:srgbClr val="3E3D99"/>
+                      </a:solidFill>
+                    </a:rPr>
+                    <a:t>.</a:t>
+                  </a:r>
+                  <a:r>
+                    <a:rPr lang="en-US" dirty="0" smtClean="0"/>
+                    <a:t>  exp. data</a:t>
+                  </a:r>
                 </a:p>
               </p:txBody>
             </p:sp>
+          </mc:Choice>
+          <mc:Fallback>
             <p:sp>
               <p:nvSpPr>
-                <p:cNvPr id="8" name="Textfeld 6"/>
-                <p:cNvSpPr txBox="1"/>
+                <p:cNvPr id="11" name="TextBox 10"/>
+                <p:cNvSpPr txBox="1">
+                  <a:spLocks noRot="1" noChangeAspect="1" noMove="1" noResize="1" noEditPoints="1" noAdjustHandles="1" noChangeArrowheads="1" noChangeShapeType="1" noTextEdit="1"/>
+                </p:cNvSpPr>
                 <p:nvPr/>
               </p:nvSpPr>
               <p:spPr>
                 <a:xfrm>
-                  <a:off x="2098382" y="1227170"/>
-                  <a:ext cx="1235083" cy="284552"/>
+                  <a:off x="9885230" y="1637834"/>
+                  <a:ext cx="1447576" cy="958789"/>
                 </a:xfrm>
                 <a:prstGeom prst="rect">
                   <a:avLst/>
                 </a:prstGeom>
-                <a:noFill/>
+                <a:blipFill rotWithShape="0">
+                  <a:blip r:embed="rId4"/>
+                  <a:stretch>
+                    <a:fillRect l="-3797" r="-3376" b="-9554"/>
+                  </a:stretch>
+                </a:blipFill>
               </p:spPr>
               <p:txBody>
-                <a:bodyPr wrap="square" rtlCol="0">
-                  <a:spAutoFit/>
-                </a:bodyPr>
+                <a:bodyPr/>
                 <a:lstStyle/>
                 <a:p>
                   <a:r>
-                    <a:rPr lang="de-DE" dirty="0" smtClean="0"/>
-                    <a:t>0 </a:t>
+                    <a:rPr lang="en-US">
+                      <a:noFill/>
+                    </a:rPr>
+                    <a:t> </a:t>
                   </a:r>
-                  <a:r>
-                    <a:rPr lang="de-DE" dirty="0" err="1" smtClean="0"/>
-                    <a:t>fs</a:t>
-                  </a:r>
-                  <a:r>
-                    <a:rPr lang="de-DE" dirty="0" smtClean="0"/>
-                    <a:t> </a:t>
-                  </a:r>
-                  <a:r>
-                    <a:rPr lang="de-DE" dirty="0" err="1" smtClean="0"/>
-                    <a:t>delay</a:t>
-                  </a:r>
-                  <a:endParaRPr lang="de-DE" dirty="0"/>
                 </a:p>
               </p:txBody>
             </p:sp>
-          </p:grpSp>
-          <p:sp>
-            <p:nvSpPr>
-              <p:cNvPr id="11" name="TextBox 10"/>
-              <p:cNvSpPr txBox="1"/>
-              <p:nvPr/>
-            </p:nvSpPr>
-            <p:spPr>
-              <a:xfrm>
-                <a:off x="9656624" y="1837864"/>
-                <a:ext cx="1606465" cy="923330"/>
-              </a:xfrm>
-              <a:prstGeom prst="rect">
-                <a:avLst/>
-              </a:prstGeom>
-              <a:noFill/>
-            </p:spPr>
-            <p:txBody>
-              <a:bodyPr wrap="none" rtlCol="0">
-                <a:spAutoFit/>
-              </a:bodyPr>
-              <a:lstStyle/>
-              <a:p>
-                <a:r>
-                  <a:rPr lang="en-US" dirty="0">
-                    <a:solidFill>
-                      <a:srgbClr val="FF0000"/>
-                    </a:solidFill>
-                  </a:rPr>
-                  <a:t>–</a:t>
-                </a:r>
-                <a:r>
-                  <a:rPr lang="en-US" dirty="0"/>
-                  <a:t> </a:t>
-                </a:r>
-                <a:r>
-                  <a:rPr lang="en-US" dirty="0" smtClean="0"/>
-                  <a:t>q</a:t>
-                </a:r>
-                <a:r>
-                  <a:rPr lang="en-US" baseline="30000" dirty="0" smtClean="0"/>
-                  <a:t>-4 </a:t>
-                </a:r>
-                <a:r>
-                  <a:rPr lang="en-US" dirty="0" smtClean="0"/>
-                  <a:t>fit</a:t>
-                </a:r>
-                <a:endParaRPr lang="en-US" baseline="30000" dirty="0"/>
-              </a:p>
-              <a:p>
-                <a:r>
-                  <a:rPr lang="en-US" dirty="0">
-                    <a:solidFill>
-                      <a:srgbClr val="3E3D99"/>
-                    </a:solidFill>
-                  </a:rPr>
-                  <a:t>–</a:t>
-                </a:r>
-                <a:r>
-                  <a:rPr lang="en-US" dirty="0"/>
-                  <a:t> </a:t>
-                </a:r>
-                <a:r>
-                  <a:rPr lang="en-US" dirty="0" smtClean="0"/>
-                  <a:t>extrapolation</a:t>
-                </a:r>
-                <a:br>
-                  <a:rPr lang="en-US" dirty="0" smtClean="0"/>
-                </a:br>
-                <a:r>
-                  <a:rPr lang="en-US" dirty="0" smtClean="0"/>
-                  <a:t> </a:t>
-                </a:r>
-                <a:r>
-                  <a:rPr lang="en-US" baseline="30000" dirty="0" smtClean="0">
-                    <a:solidFill>
-                      <a:srgbClr val="3E3D99"/>
-                    </a:solidFill>
-                  </a:rPr>
-                  <a:t>.</a:t>
-                </a:r>
-                <a:r>
-                  <a:rPr lang="en-US" dirty="0" smtClean="0"/>
-                  <a:t>  exp. data</a:t>
-                </a:r>
-              </a:p>
-            </p:txBody>
-          </p:sp>
-        </p:grpSp>
-        <p:sp>
-          <p:nvSpPr>
-            <p:cNvPr id="2" name="TextBox 1"/>
-            <p:cNvSpPr txBox="1"/>
-            <p:nvPr/>
-          </p:nvSpPr>
-          <p:spPr>
-            <a:xfrm>
-              <a:off x="4429125" y="4943476"/>
-              <a:ext cx="755335" cy="369332"/>
-            </a:xfrm>
-            <a:prstGeom prst="rect">
-              <a:avLst/>
-            </a:prstGeom>
-            <a:noFill/>
-          </p:spPr>
-          <p:txBody>
-            <a:bodyPr wrap="none" rtlCol="0">
-              <a:spAutoFit/>
-            </a:bodyPr>
-            <a:lstStyle/>
-            <a:p>
-              <a:r>
-                <a:rPr lang="en-US" dirty="0">
-                  <a:latin typeface="Times New Roman" charset="0"/>
-                  <a:ea typeface="Times New Roman" charset="0"/>
-                  <a:cs typeface="Times New Roman" charset="0"/>
-                </a:rPr>
-                <a:t>i</a:t>
-              </a:r>
-              <a:r>
-                <a:rPr lang="en-US" dirty="0" smtClean="0">
-                  <a:latin typeface="Times New Roman" charset="0"/>
-                  <a:ea typeface="Times New Roman" charset="0"/>
-                  <a:cs typeface="Times New Roman" charset="0"/>
-                </a:rPr>
-                <a:t>n m</a:t>
-              </a:r>
-              <a:r>
-                <a:rPr lang="en-US" baseline="30000" dirty="0" smtClean="0">
-                  <a:latin typeface="Times New Roman" charset="0"/>
-                  <a:ea typeface="Times New Roman" charset="0"/>
-                  <a:cs typeface="Times New Roman" charset="0"/>
-                </a:rPr>
-                <a:t>-1</a:t>
-              </a:r>
-              <a:endParaRPr lang="en-US" baseline="30000" dirty="0">
-                <a:latin typeface="Times New Roman" charset="0"/>
-                <a:ea typeface="Times New Roman" charset="0"/>
-                <a:cs typeface="Times New Roman" charset="0"/>
-              </a:endParaRPr>
-            </a:p>
-          </p:txBody>
-        </p:sp>
-        <p:sp>
-          <p:nvSpPr>
-            <p:cNvPr id="13" name="TextBox 12"/>
-            <p:cNvSpPr txBox="1"/>
-            <p:nvPr/>
-          </p:nvSpPr>
-          <p:spPr>
-            <a:xfrm>
-              <a:off x="9925050" y="4938713"/>
-              <a:ext cx="755335" cy="369332"/>
-            </a:xfrm>
-            <a:prstGeom prst="rect">
-              <a:avLst/>
-            </a:prstGeom>
-            <a:noFill/>
-          </p:spPr>
-          <p:txBody>
-            <a:bodyPr wrap="none" rtlCol="0">
-              <a:spAutoFit/>
-            </a:bodyPr>
-            <a:lstStyle/>
-            <a:p>
-              <a:r>
-                <a:rPr lang="en-US" dirty="0">
-                  <a:latin typeface="Times New Roman" charset="0"/>
-                  <a:ea typeface="Times New Roman" charset="0"/>
-                  <a:cs typeface="Times New Roman" charset="0"/>
-                </a:rPr>
-                <a:t>i</a:t>
-              </a:r>
-              <a:r>
-                <a:rPr lang="en-US" dirty="0" smtClean="0">
-                  <a:latin typeface="Times New Roman" charset="0"/>
-                  <a:ea typeface="Times New Roman" charset="0"/>
-                  <a:cs typeface="Times New Roman" charset="0"/>
-                </a:rPr>
-                <a:t>n m</a:t>
-              </a:r>
-              <a:r>
-                <a:rPr lang="en-US" baseline="30000" dirty="0" smtClean="0">
-                  <a:latin typeface="Times New Roman" charset="0"/>
-                  <a:ea typeface="Times New Roman" charset="0"/>
-                  <a:cs typeface="Times New Roman" charset="0"/>
-                </a:rPr>
-                <a:t>-1</a:t>
-              </a:r>
-              <a:endParaRPr lang="en-US" baseline="30000" dirty="0">
-                <a:latin typeface="Times New Roman" charset="0"/>
-                <a:ea typeface="Times New Roman" charset="0"/>
-                <a:cs typeface="Times New Roman" charset="0"/>
-              </a:endParaRPr>
-            </a:p>
-          </p:txBody>
-        </p:sp>
+          </mc:Fallback>
+        </mc:AlternateContent>
       </p:grpSp>
-      <p:sp>
-        <p:nvSpPr>
-          <p:cNvPr id="7" name="TextBox 6"/>
-          <p:cNvSpPr txBox="1"/>
-          <p:nvPr/>
-        </p:nvSpPr>
-        <p:spPr>
-          <a:xfrm>
-            <a:off x="9186863" y="457200"/>
-            <a:ext cx="184731" cy="369332"/>
-          </a:xfrm>
-          <a:prstGeom prst="rect">
-            <a:avLst/>
-          </a:prstGeom>
-          <a:noFill/>
-        </p:spPr>
-        <p:txBody>
-          <a:bodyPr wrap="none" rtlCol="0">
-            <a:spAutoFit/>
-          </a:bodyPr>
-          <a:lstStyle/>
-          <a:p>
-            <a:endParaRPr lang="en-US" dirty="0"/>
-          </a:p>
-        </p:txBody>
-      </p:sp>
     </p:spTree>
     <p:extLst>
       <p:ext uri="{BB962C8B-B14F-4D97-AF65-F5344CB8AC3E}">

--- a/images/results/He-diffraction-patterns.pptx
+++ b/images/results/He-diffraction-patterns.pptx
@@ -243,7 +243,7 @@
           <a:p>
             <a:fld id="{2092A7B5-3936-1947-99D0-1ABDFEF16307}" type="datetimeFigureOut">
               <a:rPr lang="en-US" smtClean="0"/>
-              <a:t>2/5/17</a:t>
+              <a:t>2/14/17</a:t>
             </a:fld>
             <a:endParaRPr lang="en-US"/>
           </a:p>
@@ -413,7 +413,7 @@
           <a:p>
             <a:fld id="{2092A7B5-3936-1947-99D0-1ABDFEF16307}" type="datetimeFigureOut">
               <a:rPr lang="en-US" smtClean="0"/>
-              <a:t>2/5/17</a:t>
+              <a:t>2/14/17</a:t>
             </a:fld>
             <a:endParaRPr lang="en-US"/>
           </a:p>
@@ -593,7 +593,7 @@
           <a:p>
             <a:fld id="{2092A7B5-3936-1947-99D0-1ABDFEF16307}" type="datetimeFigureOut">
               <a:rPr lang="en-US" smtClean="0"/>
-              <a:t>2/5/17</a:t>
+              <a:t>2/14/17</a:t>
             </a:fld>
             <a:endParaRPr lang="en-US"/>
           </a:p>
@@ -763,7 +763,7 @@
           <a:p>
             <a:fld id="{2092A7B5-3936-1947-99D0-1ABDFEF16307}" type="datetimeFigureOut">
               <a:rPr lang="en-US" smtClean="0"/>
-              <a:t>2/5/17</a:t>
+              <a:t>2/14/17</a:t>
             </a:fld>
             <a:endParaRPr lang="en-US"/>
           </a:p>
@@ -1009,7 +1009,7 @@
           <a:p>
             <a:fld id="{2092A7B5-3936-1947-99D0-1ABDFEF16307}" type="datetimeFigureOut">
               <a:rPr lang="en-US" smtClean="0"/>
-              <a:t>2/5/17</a:t>
+              <a:t>2/14/17</a:t>
             </a:fld>
             <a:endParaRPr lang="en-US"/>
           </a:p>
@@ -1241,7 +1241,7 @@
           <a:p>
             <a:fld id="{2092A7B5-3936-1947-99D0-1ABDFEF16307}" type="datetimeFigureOut">
               <a:rPr lang="en-US" smtClean="0"/>
-              <a:t>2/5/17</a:t>
+              <a:t>2/14/17</a:t>
             </a:fld>
             <a:endParaRPr lang="en-US"/>
           </a:p>
@@ -1608,7 +1608,7 @@
           <a:p>
             <a:fld id="{2092A7B5-3936-1947-99D0-1ABDFEF16307}" type="datetimeFigureOut">
               <a:rPr lang="en-US" smtClean="0"/>
-              <a:t>2/5/17</a:t>
+              <a:t>2/14/17</a:t>
             </a:fld>
             <a:endParaRPr lang="en-US"/>
           </a:p>
@@ -1726,7 +1726,7 @@
           <a:p>
             <a:fld id="{2092A7B5-3936-1947-99D0-1ABDFEF16307}" type="datetimeFigureOut">
               <a:rPr lang="en-US" smtClean="0"/>
-              <a:t>2/5/17</a:t>
+              <a:t>2/14/17</a:t>
             </a:fld>
             <a:endParaRPr lang="en-US"/>
           </a:p>
@@ -1821,7 +1821,7 @@
           <a:p>
             <a:fld id="{2092A7B5-3936-1947-99D0-1ABDFEF16307}" type="datetimeFigureOut">
               <a:rPr lang="en-US" smtClean="0"/>
-              <a:t>2/5/17</a:t>
+              <a:t>2/14/17</a:t>
             </a:fld>
             <a:endParaRPr lang="en-US"/>
           </a:p>
@@ -2098,7 +2098,7 @@
           <a:p>
             <a:fld id="{2092A7B5-3936-1947-99D0-1ABDFEF16307}" type="datetimeFigureOut">
               <a:rPr lang="en-US" smtClean="0"/>
-              <a:t>2/5/17</a:t>
+              <a:t>2/14/17</a:t>
             </a:fld>
             <a:endParaRPr lang="en-US"/>
           </a:p>
@@ -2351,7 +2351,7 @@
           <a:p>
             <a:fld id="{2092A7B5-3936-1947-99D0-1ABDFEF16307}" type="datetimeFigureOut">
               <a:rPr lang="en-US" smtClean="0"/>
-              <a:t>2/5/17</a:t>
+              <a:t>2/14/17</a:t>
             </a:fld>
             <a:endParaRPr lang="en-US"/>
           </a:p>
@@ -2564,7 +2564,7 @@
           <a:p>
             <a:fld id="{2092A7B5-3936-1947-99D0-1ABDFEF16307}" type="datetimeFigureOut">
               <a:rPr lang="en-US" smtClean="0"/>
-              <a:t>2/5/17</a:t>
+              <a:t>2/14/17</a:t>
             </a:fld>
             <a:endParaRPr lang="en-US"/>
           </a:p>
@@ -2971,78 +2971,18 @@
       </p:grpSpPr>
       <p:grpSp>
         <p:nvGrpSpPr>
-          <p:cNvPr id="15" name="Group 14"/>
+          <p:cNvPr id="5" name="Group 4"/>
           <p:cNvGrpSpPr/>
           <p:nvPr/>
         </p:nvGrpSpPr>
         <p:grpSpPr>
           <a:xfrm>
-            <a:off x="365408" y="1428523"/>
-            <a:ext cx="11505664" cy="3629252"/>
-            <a:chOff x="365408" y="1428523"/>
-            <a:chExt cx="11505664" cy="3629252"/>
+            <a:off x="406721" y="1371599"/>
+            <a:ext cx="11524362" cy="3714751"/>
+            <a:chOff x="178118" y="1371599"/>
+            <a:chExt cx="11524362" cy="3714751"/>
           </a:xfrm>
         </p:grpSpPr>
-        <p:pic>
-          <p:nvPicPr>
-            <p:cNvPr id="9" name="Picture 8"/>
-            <p:cNvPicPr>
-              <a:picLocks noChangeAspect="1"/>
-            </p:cNvPicPr>
-            <p:nvPr/>
-          </p:nvPicPr>
-          <p:blipFill>
-            <a:blip r:embed="rId2">
-              <a:extLst>
-                <a:ext uri="{28A0092B-C50C-407E-A947-70E740481C1C}">
-                  <a14:useLocalDpi xmlns:a14="http://schemas.microsoft.com/office/drawing/2010/main" val="0"/>
-                </a:ext>
-              </a:extLst>
-            </a:blip>
-            <a:stretch>
-              <a:fillRect/>
-            </a:stretch>
-          </p:blipFill>
-          <p:spPr>
-            <a:xfrm>
-              <a:off x="365408" y="1428523"/>
-              <a:ext cx="5872048" cy="3629252"/>
-            </a:xfrm>
-            <a:prstGeom prst="rect">
-              <a:avLst/>
-            </a:prstGeom>
-          </p:spPr>
-        </p:pic>
-        <p:pic>
-          <p:nvPicPr>
-            <p:cNvPr id="14" name="Picture 13"/>
-            <p:cNvPicPr>
-              <a:picLocks noChangeAspect="1"/>
-            </p:cNvPicPr>
-            <p:nvPr/>
-          </p:nvPicPr>
-          <p:blipFill>
-            <a:blip r:embed="rId3">
-              <a:extLst>
-                <a:ext uri="{28A0092B-C50C-407E-A947-70E740481C1C}">
-                  <a14:useLocalDpi xmlns:a14="http://schemas.microsoft.com/office/drawing/2010/main" val="0"/>
-                </a:ext>
-              </a:extLst>
-            </a:blip>
-            <a:stretch>
-              <a:fillRect/>
-            </a:stretch>
-          </p:blipFill>
-          <p:spPr>
-            <a:xfrm>
-              <a:off x="5999024" y="1428523"/>
-              <a:ext cx="5872048" cy="3629252"/>
-            </a:xfrm>
-            <a:prstGeom prst="rect">
-              <a:avLst/>
-            </a:prstGeom>
-          </p:spPr>
-        </p:pic>
         <p:sp>
           <p:nvSpPr>
             <p:cNvPr id="6" name="Textfeld 8"/>
@@ -3172,7 +3112,7 @@
                         <m:e>
                           <m:r>
                             <a:rPr lang="en-US" i="0" smtClean="0">
-                              <a:latin typeface="+mj-lt"/>
+                              <a:latin typeface="Cambria Math" charset="0"/>
                             </a:rPr>
                             <m:t>|</m:t>
                           </m:r>
@@ -3196,7 +3136,7 @@
                           </m:acc>
                           <m:r>
                             <a:rPr lang="en-US" i="0" smtClean="0">
-                              <a:latin typeface="+mj-lt"/>
+                              <a:latin typeface="Cambria Math" charset="0"/>
                             </a:rPr>
                             <m:t>|</m:t>
                           </m:r>
@@ -3239,10 +3179,6 @@
                     <a:rPr lang="en-US" dirty="0" smtClean="0"/>
                     <a:t>spherical fit</a:t>
                   </a:r>
-                  <a:r>
-                    <a:rPr lang="en-US" dirty="0" smtClean="0"/>
-                    <a:t/>
-                  </a:r>
                   <a:br>
                     <a:rPr lang="en-US" dirty="0" smtClean="0"/>
                   </a:br>
@@ -3284,9 +3220,9 @@
                   <a:avLst/>
                 </a:prstGeom>
                 <a:blipFill rotWithShape="0">
-                  <a:blip r:embed="rId4"/>
+                  <a:blip r:embed="rId2"/>
                   <a:stretch>
-                    <a:fillRect l="-3797" r="-3376" b="-9554"/>
+                    <a:fillRect l="-3361" r="-3361" b="-9554"/>
                   </a:stretch>
                 </a:blipFill>
               </p:spPr>
@@ -3305,6 +3241,66 @@
             </p:sp>
           </mc:Fallback>
         </mc:AlternateContent>
+        <p:pic>
+          <p:nvPicPr>
+            <p:cNvPr id="10" name="Picture 9"/>
+            <p:cNvPicPr>
+              <a:picLocks noChangeAspect="1"/>
+            </p:cNvPicPr>
+            <p:nvPr/>
+          </p:nvPicPr>
+          <p:blipFill>
+            <a:blip r:embed="rId3">
+              <a:extLst>
+                <a:ext uri="{28A0092B-C50C-407E-A947-70E740481C1C}">
+                  <a14:useLocalDpi xmlns:a14="http://schemas.microsoft.com/office/drawing/2010/main" val="0"/>
+                </a:ext>
+              </a:extLst>
+            </a:blip>
+            <a:stretch>
+              <a:fillRect/>
+            </a:stretch>
+          </p:blipFill>
+          <p:spPr>
+            <a:xfrm>
+              <a:off x="5758879" y="1371600"/>
+              <a:ext cx="5943601" cy="3714750"/>
+            </a:xfrm>
+            <a:prstGeom prst="rect">
+              <a:avLst/>
+            </a:prstGeom>
+          </p:spPr>
+        </p:pic>
+        <p:pic>
+          <p:nvPicPr>
+            <p:cNvPr id="4" name="Picture 3"/>
+            <p:cNvPicPr>
+              <a:picLocks noChangeAspect="1"/>
+            </p:cNvPicPr>
+            <p:nvPr/>
+          </p:nvPicPr>
+          <p:blipFill>
+            <a:blip r:embed="rId4">
+              <a:extLst>
+                <a:ext uri="{28A0092B-C50C-407E-A947-70E740481C1C}">
+                  <a14:useLocalDpi xmlns:a14="http://schemas.microsoft.com/office/drawing/2010/main" val="0"/>
+                </a:ext>
+              </a:extLst>
+            </a:blip>
+            <a:stretch>
+              <a:fillRect/>
+            </a:stretch>
+          </p:blipFill>
+          <p:spPr>
+            <a:xfrm>
+              <a:off x="178118" y="1371599"/>
+              <a:ext cx="5943602" cy="3714751"/>
+            </a:xfrm>
+            <a:prstGeom prst="rect">
+              <a:avLst/>
+            </a:prstGeom>
+          </p:spPr>
+        </p:pic>
       </p:grpSp>
     </p:spTree>
     <p:extLst>
